--- a/CC/U19CS082.pptx
+++ b/CC/U19CS082.pptx
@@ -302,7 +302,7 @@
           <a:p>
             <a:fld id="{48A87A34-81AB-432B-8DAE-1953F412C126}" type="datetimeFigureOut">
               <a:rPr lang="en-US" dirty="0"/>
-              <a:t>3/28/2022</a:t>
+              <a:t>3/29/2022</a:t>
             </a:fld>
             <a:endParaRPr lang="en-US" dirty="0"/>
           </a:p>
@@ -477,7 +477,7 @@
           <a:p>
             <a:fld id="{48A87A34-81AB-432B-8DAE-1953F412C126}" type="datetimeFigureOut">
               <a:rPr lang="en-US" dirty="0"/>
-              <a:t>3/28/2022</a:t>
+              <a:t>3/29/2022</a:t>
             </a:fld>
             <a:endParaRPr lang="en-US" dirty="0"/>
           </a:p>
@@ -656,7 +656,7 @@
           <a:p>
             <a:fld id="{48A87A34-81AB-432B-8DAE-1953F412C126}" type="datetimeFigureOut">
               <a:rPr lang="en-US" dirty="0"/>
-              <a:t>3/28/2022</a:t>
+              <a:t>3/29/2022</a:t>
             </a:fld>
             <a:endParaRPr lang="en-US" dirty="0"/>
           </a:p>
@@ -821,7 +821,7 @@
           <a:p>
             <a:fld id="{48A87A34-81AB-432B-8DAE-1953F412C126}" type="datetimeFigureOut">
               <a:rPr lang="en-US" dirty="0"/>
-              <a:t>3/28/2022</a:t>
+              <a:t>3/29/2022</a:t>
             </a:fld>
             <a:endParaRPr lang="en-US" dirty="0"/>
           </a:p>
@@ -1064,7 +1064,7 @@
           <a:p>
             <a:fld id="{48A87A34-81AB-432B-8DAE-1953F412C126}" type="datetimeFigureOut">
               <a:rPr lang="en-US" dirty="0"/>
-              <a:t>3/28/2022</a:t>
+              <a:t>3/29/2022</a:t>
             </a:fld>
             <a:endParaRPr lang="en-US" dirty="0"/>
           </a:p>
@@ -1296,7 +1296,7 @@
           <a:p>
             <a:fld id="{48A87A34-81AB-432B-8DAE-1953F412C126}" type="datetimeFigureOut">
               <a:rPr lang="en-US" dirty="0"/>
-              <a:t>3/28/2022</a:t>
+              <a:t>3/29/2022</a:t>
             </a:fld>
             <a:endParaRPr lang="en-US" dirty="0"/>
           </a:p>
@@ -1676,7 +1676,7 @@
           <a:p>
             <a:fld id="{48A87A34-81AB-432B-8DAE-1953F412C126}" type="datetimeFigureOut">
               <a:rPr lang="en-US" dirty="0"/>
-              <a:t>3/28/2022</a:t>
+              <a:t>3/29/2022</a:t>
             </a:fld>
             <a:endParaRPr lang="en-US" dirty="0"/>
           </a:p>
@@ -1789,7 +1789,7 @@
           <a:p>
             <a:fld id="{48A87A34-81AB-432B-8DAE-1953F412C126}" type="datetimeFigureOut">
               <a:rPr lang="en-US" dirty="0"/>
-              <a:t>3/28/2022</a:t>
+              <a:t>3/29/2022</a:t>
             </a:fld>
             <a:endParaRPr lang="en-US" dirty="0"/>
           </a:p>
@@ -1879,7 +1879,7 @@
           <a:p>
             <a:fld id="{48A87A34-81AB-432B-8DAE-1953F412C126}" type="datetimeFigureOut">
               <a:rPr lang="en-US" dirty="0"/>
-              <a:t>3/28/2022</a:t>
+              <a:t>3/29/2022</a:t>
             </a:fld>
             <a:endParaRPr lang="en-US" dirty="0"/>
           </a:p>
@@ -2125,7 +2125,7 @@
           <a:p>
             <a:fld id="{48A87A34-81AB-432B-8DAE-1953F412C126}" type="datetimeFigureOut">
               <a:rPr lang="en-US" dirty="0"/>
-              <a:t>3/28/2022</a:t>
+              <a:t>3/29/2022</a:t>
             </a:fld>
             <a:endParaRPr lang="en-US" dirty="0"/>
           </a:p>
@@ -2512,7 +2512,7 @@
             <a:fld id="{48A87A34-81AB-432B-8DAE-1953F412C126}" type="datetimeFigureOut">
               <a:rPr lang="en-US" dirty="0"/>
               <a:pPr/>
-              <a:t>3/28/2022</a:t>
+              <a:t>3/29/2022</a:t>
             </a:fld>
             <a:endParaRPr lang="en-US" dirty="0"/>
           </a:p>
@@ -2726,7 +2726,7 @@
             <a:fld id="{48A87A34-81AB-432B-8DAE-1953F412C126}" type="datetimeFigureOut">
               <a:rPr lang="en-US" dirty="0"/>
               <a:pPr/>
-              <a:t>3/28/2022</a:t>
+              <a:t>3/29/2022</a:t>
             </a:fld>
             <a:endParaRPr lang="en-US" dirty="0"/>
           </a:p>
@@ -3559,8 +3559,8 @@
         </p:nvSpPr>
         <p:spPr>
           <a:xfrm>
-            <a:off x="944880" y="2010878"/>
-            <a:ext cx="10693745" cy="3448595"/>
+            <a:off x="944881" y="1633492"/>
+            <a:ext cx="6734304" cy="3825982"/>
           </a:xfrm>
         </p:spPr>
         <p:txBody>
@@ -3601,7 +3601,26 @@
                 <a:effectLst/>
                 <a:latin typeface="AmazonEmber"/>
               </a:rPr>
-              <a:t>Siemens Energy is a German-based industrial manufacturing company that offers solutions for virtual power plants, grid management, and storage solutions. Siemens Energy uses Amazon Neptune to oversee a fleet of thousands of large gas turbines operating in multiple countries across the globe. Siemens Energy </a:t>
+              <a:t>Siemens Energy is a German-based industrial manufacturing company that offers solutions for virtual power plants, grid management, and storage solutions. Siemens Energy uses </a:t>
+            </a:r>
+            <a:r>
+              <a:rPr lang="en-US" b="1" i="0" dirty="0">
+                <a:solidFill>
+                  <a:schemeClr val="accent4">
+                    <a:lumMod val="75000"/>
+                  </a:schemeClr>
+                </a:solidFill>
+                <a:effectLst/>
+                <a:latin typeface="AmazonEmber"/>
+              </a:rPr>
+              <a:t>Amazon Neptune </a:t>
+            </a:r>
+            <a:r>
+              <a:rPr lang="en-US" b="0" i="0" dirty="0">
+                <a:effectLst/>
+                <a:latin typeface="AmazonEmber"/>
+              </a:rPr>
+              <a:t>to oversee a fleet of thousands of large gas turbines operating in multiple countries across the globe. Siemens Energy </a:t>
             </a:r>
             <a:r>
               <a:rPr lang="en-US" b="0" i="0" dirty="0" err="1">
@@ -3618,6 +3637,100 @@
               <a:t> through a free trial in AWS Marketplace, which enabled it to go to market quickly and cost-effectively.</a:t>
             </a:r>
             <a:endParaRPr lang="en-IN" dirty="0"/>
+          </a:p>
+        </p:txBody>
+      </p:sp>
+      <p:pic>
+        <p:nvPicPr>
+          <p:cNvPr id="5" name="Picture 4">
+            <a:extLst>
+              <a:ext uri="{FF2B5EF4-FFF2-40B4-BE49-F238E27FC236}">
+                <a16:creationId xmlns:a16="http://schemas.microsoft.com/office/drawing/2014/main" id="{1EC6E7F7-6D9A-411D-9038-6E345452A2F3}"/>
+              </a:ext>
+            </a:extLst>
+          </p:cNvPr>
+          <p:cNvPicPr>
+            <a:picLocks noChangeAspect="1"/>
+          </p:cNvPicPr>
+          <p:nvPr/>
+        </p:nvPicPr>
+        <p:blipFill>
+          <a:blip r:embed="rId2"/>
+          <a:stretch>
+            <a:fillRect/>
+          </a:stretch>
+        </p:blipFill>
+        <p:spPr>
+          <a:xfrm>
+            <a:off x="7838983" y="1633491"/>
+            <a:ext cx="4249078" cy="3506679"/>
+          </a:xfrm>
+          <a:prstGeom prst="rect">
+            <a:avLst/>
+          </a:prstGeom>
+        </p:spPr>
+      </p:pic>
+      <p:sp>
+        <p:nvSpPr>
+          <p:cNvPr id="7" name="Rectangle 6">
+            <a:extLst>
+              <a:ext uri="{FF2B5EF4-FFF2-40B4-BE49-F238E27FC236}">
+                <a16:creationId xmlns:a16="http://schemas.microsoft.com/office/drawing/2014/main" id="{64DC617F-179E-4EE6-9BDF-86A1058EA5D0}"/>
+              </a:ext>
+            </a:extLst>
+          </p:cNvPr>
+          <p:cNvSpPr/>
+          <p:nvPr/>
+        </p:nvSpPr>
+        <p:spPr>
+          <a:xfrm>
+            <a:off x="8043282" y="5338834"/>
+            <a:ext cx="3840480" cy="518160"/>
+          </a:xfrm>
+          <a:prstGeom prst="rect">
+            <a:avLst/>
+          </a:prstGeom>
+          <a:solidFill>
+            <a:schemeClr val="bg1">
+              <a:lumMod val="75000"/>
+              <a:lumOff val="25000"/>
+            </a:schemeClr>
+          </a:solidFill>
+          <a:ln>
+            <a:solidFill>
+              <a:srgbClr val="00B050"/>
+            </a:solidFill>
+          </a:ln>
+        </p:spPr>
+        <p:style>
+          <a:lnRef idx="2">
+            <a:schemeClr val="accent1">
+              <a:shade val="50000"/>
+            </a:schemeClr>
+          </a:lnRef>
+          <a:fillRef idx="1">
+            <a:schemeClr val="accent1"/>
+          </a:fillRef>
+          <a:effectRef idx="0">
+            <a:schemeClr val="accent1"/>
+          </a:effectRef>
+          <a:fontRef idx="minor">
+            <a:schemeClr val="lt1"/>
+          </a:fontRef>
+        </p:style>
+        <p:txBody>
+          <a:bodyPr rtlCol="0" anchor="ctr"/>
+          <a:lstStyle/>
+          <a:p>
+            <a:pPr algn="ctr"/>
+            <a:r>
+              <a:rPr lang="en-IN" dirty="0">
+                <a:solidFill>
+                  <a:srgbClr val="00B050"/>
+                </a:solidFill>
+              </a:rPr>
+              <a:t>Amazon Neptune(GDB)</a:t>
+            </a:r>
           </a:p>
         </p:txBody>
       </p:sp>
@@ -3665,8 +3778,8 @@
         </p:nvSpPr>
         <p:spPr>
           <a:xfrm>
-            <a:off x="944880" y="1198880"/>
-            <a:ext cx="11125200" cy="2822704"/>
+            <a:off x="944880" y="1198879"/>
+            <a:ext cx="6388075" cy="3976801"/>
           </a:xfrm>
           <a:prstGeom prst="rect">
             <a:avLst/>
@@ -3737,12 +3850,26 @@
                 <a:effectLst/>
                 <a:latin typeface="AmazonEmber"/>
               </a:rPr>
-              <a:t>Siemens surveys employees quarterly using AWS machine learning technologies to translate and analyze results in less than two weeks. The company’s survey-processing solution uses Amazon Translate, a neural machine translation service; Amazon </a:t>
-            </a:r>
-            <a:r>
-              <a:rPr lang="en-US" b="0" i="0" dirty="0" err="1">
+              <a:t>Siemens surveys employees quarterly using AWS machine learning technologies to translate and analyze results in less than two weeks. The company’s survey-processing solution uses Amazon Translate, a neural machine translation service; </a:t>
+            </a:r>
+            <a:r>
+              <a:rPr lang="en-US" b="1" i="0" dirty="0">
                 <a:solidFill>
-                  <a:schemeClr val="tx1"/>
+                  <a:schemeClr val="accent4">
+                    <a:lumMod val="75000"/>
+                  </a:schemeClr>
+                </a:solidFill>
+                <a:effectLst/>
+                <a:latin typeface="AmazonEmber"/>
+              </a:rPr>
+              <a:t>Amazon </a:t>
+            </a:r>
+            <a:r>
+              <a:rPr lang="en-US" b="1" i="0" dirty="0" err="1">
+                <a:solidFill>
+                  <a:schemeClr val="accent4">
+                    <a:lumMod val="75000"/>
+                  </a:schemeClr>
                 </a:solidFill>
                 <a:effectLst/>
                 <a:latin typeface="AmazonEmber"/>
@@ -3826,6 +3953,35 @@
           </a:p>
         </p:txBody>
       </p:sp>
+      <p:pic>
+        <p:nvPicPr>
+          <p:cNvPr id="8" name="Picture 7">
+            <a:extLst>
+              <a:ext uri="{FF2B5EF4-FFF2-40B4-BE49-F238E27FC236}">
+                <a16:creationId xmlns:a16="http://schemas.microsoft.com/office/drawing/2014/main" id="{25CF82BB-8CE6-48AF-8A3B-F3EAD7B4FDDA}"/>
+              </a:ext>
+            </a:extLst>
+          </p:cNvPr>
+          <p:cNvPicPr>
+            <a:picLocks noChangeAspect="1"/>
+          </p:cNvPicPr>
+          <p:nvPr/>
+        </p:nvPicPr>
+        <p:blipFill rotWithShape="1">
+          <a:blip r:embed="rId2"/>
+          <a:srcRect r="5826"/>
+          <a:stretch/>
+        </p:blipFill>
+        <p:spPr>
+          <a:xfrm>
+            <a:off x="7510508" y="1341117"/>
+            <a:ext cx="4527612" cy="3692323"/>
+          </a:xfrm>
+          <a:prstGeom prst="rect">
+            <a:avLst/>
+          </a:prstGeom>
+        </p:spPr>
+      </p:pic>
     </p:spTree>
     <p:extLst>
       <p:ext uri="{BB962C8B-B14F-4D97-AF65-F5344CB8AC3E}">
@@ -3930,8 +4086,8 @@
         </p:nvSpPr>
         <p:spPr>
           <a:xfrm>
-            <a:off x="944880" y="1483360"/>
-            <a:ext cx="11125200" cy="2538224"/>
+            <a:off x="944880" y="1483359"/>
+            <a:ext cx="10019042" cy="3692323"/>
           </a:xfrm>
           <a:prstGeom prst="rect">
             <a:avLst/>
@@ -4003,17 +4159,43 @@
                 <a:effectLst/>
                 <a:latin typeface="AmazonEmber"/>
               </a:rPr>
-              <a:t>Siemens built an AI-enabled cybersecurity platform on AWS. The company is a global electrification, automation, and digitalization leader. The platform uses Amazon </a:t>
-            </a:r>
-            <a:r>
-              <a:rPr lang="en-US" b="0" i="0" dirty="0" err="1">
+              <a:t>Siemens built an AI-enabled cybersecurity platform on AWS. The company is a global electrification, automation, and digitalization leader. The platform uses </a:t>
+            </a:r>
+            <a:r>
+              <a:rPr lang="en-US" b="1" i="0" dirty="0">
                 <a:solidFill>
-                  <a:schemeClr val="tx1"/>
+                  <a:schemeClr val="accent4">
+                    <a:lumMod val="75000"/>
+                  </a:schemeClr>
+                </a:solidFill>
+                <a:effectLst/>
+                <a:latin typeface="AmazonEmber"/>
+              </a:rPr>
+              <a:t>Amazon </a:t>
+            </a:r>
+            <a:r>
+              <a:rPr lang="en-US" b="1" i="0" dirty="0" err="1">
+                <a:solidFill>
+                  <a:schemeClr val="accent4">
+                    <a:lumMod val="75000"/>
+                  </a:schemeClr>
                 </a:solidFill>
                 <a:effectLst/>
                 <a:latin typeface="AmazonEmber"/>
               </a:rPr>
               <a:t>SageMaker</a:t>
+            </a:r>
+            <a:r>
+              <a:rPr lang="en-US" b="1" i="0" dirty="0">
+                <a:solidFill>
+                  <a:schemeClr val="accent4">
+                    <a:lumMod val="75000"/>
+                  </a:schemeClr>
+                </a:solidFill>
+                <a:effectLst/>
+                <a:latin typeface="AmazonEmber"/>
+              </a:rPr>
+              <a:t> </a:t>
             </a:r>
             <a:r>
               <a:rPr lang="en-US" b="0" i="0" dirty="0">
@@ -4023,7 +4205,7 @@
                 <a:effectLst/>
                 <a:latin typeface="AmazonEmber"/>
               </a:rPr>
-              <a:t> to make predictions and act, AWS Glue to extract, transform, and load data, and AWS Lambda to run code in response to events.</a:t>
+              <a:t>to make predictions and act, AWS Glue to extract, transform, and load data, and AWS Lambda to run code in response to events.</a:t>
             </a:r>
           </a:p>
         </p:txBody>
@@ -4058,35 +4240,6 @@
           <a:chExt cx="0" cy="0"/>
         </a:xfrm>
       </p:grpSpPr>
-      <p:pic>
-        <p:nvPicPr>
-          <p:cNvPr id="3" name="Picture 2">
-            <a:extLst>
-              <a:ext uri="{FF2B5EF4-FFF2-40B4-BE49-F238E27FC236}">
-                <a16:creationId xmlns:a16="http://schemas.microsoft.com/office/drawing/2014/main" id="{26742CD1-F44E-4C7E-882B-0A0D80D7D45B}"/>
-              </a:ext>
-            </a:extLst>
-          </p:cNvPr>
-          <p:cNvPicPr>
-            <a:picLocks noChangeAspect="1"/>
-          </p:cNvPicPr>
-          <p:nvPr/>
-        </p:nvPicPr>
-        <p:blipFill rotWithShape="1">
-          <a:blip r:embed="rId2"/>
-          <a:srcRect l="2060" t="1756" r="1505" b="2619"/>
-          <a:stretch/>
-        </p:blipFill>
-        <p:spPr>
-          <a:xfrm>
-            <a:off x="1936812" y="1731145"/>
-            <a:ext cx="8708994" cy="4154749"/>
-          </a:xfrm>
-          <a:prstGeom prst="rect">
-            <a:avLst/>
-          </a:prstGeom>
-        </p:spPr>
-      </p:pic>
       <p:sp>
         <p:nvSpPr>
           <p:cNvPr id="4" name="Rectangle 3">
@@ -4167,7 +4320,7 @@
         </p:nvSpPr>
         <p:spPr>
           <a:xfrm>
-            <a:off x="1225389" y="770180"/>
+            <a:off x="1260900" y="2057442"/>
             <a:ext cx="9170361" cy="823362"/>
           </a:xfrm>
           <a:prstGeom prst="rect">
@@ -4808,7 +4961,7 @@
                   <a:srgbClr val="00B050"/>
                 </a:solidFill>
               </a:rPr>
-              <a:t>THANK YOU SIR</a:t>
+              <a:t>THANK YOU </a:t>
             </a:r>
           </a:p>
         </p:txBody>
@@ -5935,10 +6088,10 @@
       </p:sp>
       <p:pic>
         <p:nvPicPr>
-          <p:cNvPr id="16" name="Picture 15">
+          <p:cNvPr id="13" name="Picture 12">
             <a:extLst>
               <a:ext uri="{FF2B5EF4-FFF2-40B4-BE49-F238E27FC236}">
-                <a16:creationId xmlns:a16="http://schemas.microsoft.com/office/drawing/2014/main" id="{C68C9F03-6026-4B0E-900E-3F2CA8AF5D9B}"/>
+                <a16:creationId xmlns:a16="http://schemas.microsoft.com/office/drawing/2014/main" id="{661D7B0F-F7B9-4455-9285-AA246A0247EF}"/>
               </a:ext>
             </a:extLst>
           </p:cNvPr>
@@ -5955,8 +6108,8 @@
         </p:blipFill>
         <p:spPr>
           <a:xfrm>
-            <a:off x="6368251" y="3099280"/>
-            <a:ext cx="2867189" cy="2455367"/>
+            <a:off x="6169980" y="3080551"/>
+            <a:ext cx="3098307" cy="1975283"/>
           </a:xfrm>
           <a:prstGeom prst="rect">
             <a:avLst/>
@@ -6128,19 +6281,6 @@
               <a:latin typeface="-apple-system"/>
             </a:endParaRPr>
           </a:p>
-          <a:p>
-            <a:pPr algn="ctr"/>
-            <a:br>
-              <a:rPr lang="en-US" dirty="0"/>
-            </a:br>
-            <a:r>
-              <a:rPr lang="en-US" dirty="0">
-                <a:latin typeface="-apple-system"/>
-              </a:rPr>
-              <a:t>I</a:t>
-            </a:r>
-            <a:endParaRPr lang="en-IN" dirty="0"/>
-          </a:p>
         </p:txBody>
       </p:sp>
     </p:spTree>
@@ -6238,7 +6378,7 @@
                 <a:effectLst/>
                 <a:latin typeface="Siemens Sans Roman"/>
               </a:rPr>
-              <a:t>More than 200 </a:t>
+              <a:t>More than 200 Centers </a:t>
             </a:r>
           </a:p>
           <a:p>
@@ -6934,33 +7074,7 @@
                   </a:extLst>
                 </a:hlinkClick>
               </a:rPr>
-              <a:t>Siemens G</a:t>
-            </a:r>
-            <a:r>
-              <a:rPr lang="en-IN" b="0" i="0" u="none" strike="noStrike" dirty="0">
-                <a:effectLst/>
-                <a:hlinkClick r:id="rId2" tooltip="Siemens Gamesa">
-                  <a:extLst>
-                    <a:ext uri="{A12FA001-AC4F-418D-AE19-62706E023703}">
-                      <ahyp:hlinkClr xmlns:ahyp="http://schemas.microsoft.com/office/drawing/2018/hyperlinkcolor" val="tx"/>
-                    </a:ext>
-                  </a:extLst>
-                </a:hlinkClick>
-              </a:rPr>
-              <a:t>amesa </a:t>
-            </a:r>
-            <a:r>
-              <a:rPr lang="en-IN" b="0" i="0" u="none" strike="noStrike" dirty="0">
-                <a:effectLst/>
-                <a:hlinkClick r:id="rId2" tooltip="Siemens Gamesa">
-                  <a:extLst>
-                    <a:ext uri="{A12FA001-AC4F-418D-AE19-62706E023703}">
-                      <ahyp:hlinkClr xmlns:ahyp="http://schemas.microsoft.com/office/drawing/2018/hyperlinkcolor" val="tx"/>
-                    </a:ext>
-                  </a:extLst>
-                </a:hlinkClick>
-              </a:rPr>
-              <a:t>Renewable Energy</a:t>
+              <a:t>Siemens Gamesa Renewable Energy</a:t>
             </a:r>
             <a:r>
               <a:rPr lang="en-IN" b="0" i="0" dirty="0">
@@ -7414,19 +7528,7 @@
               <a:rPr lang="en-IN" dirty="0">
                 <a:latin typeface="Rockwell" panose="02060603020205020403" pitchFamily="18" charset="0"/>
               </a:rPr>
-              <a:t>To host, it needs a secure platform(</a:t>
-            </a:r>
-            <a:r>
-              <a:rPr lang="en-IN" dirty="0" err="1">
-                <a:latin typeface="Rockwell" panose="02060603020205020403" pitchFamily="18" charset="0"/>
-              </a:rPr>
-              <a:t>Paas</a:t>
-            </a:r>
-            <a:r>
-              <a:rPr lang="en-IN" dirty="0">
-                <a:latin typeface="Rockwell" panose="02060603020205020403" pitchFamily="18" charset="0"/>
-              </a:rPr>
-              <a:t>).</a:t>
+              <a:t>To host, it needs a secure platform.</a:t>
             </a:r>
           </a:p>
           <a:p>
